--- a/demo_leiwen.pptx
+++ b/demo_leiwen.pptx
@@ -23658,13 +23658,13 @@
           <p:nvPr>
             <p:extLst>
               <p:ext uri="{D42A27DB-BD31-4B8C-83A1-F6EECF244321}">
-                <p14:modId xmlns:p14="http://schemas.microsoft.com/office/powerpoint/2010/main" val="1603760618"/>
+                <p14:modId xmlns:p14="http://schemas.microsoft.com/office/powerpoint/2010/main" val="2306352276"/>
               </p:ext>
             </p:extLst>
           </p:nvPr>
         </p:nvGraphicFramePr>
         <p:xfrm>
-          <a:off x="-352327" y="2615733"/>
+          <a:off x="-214826" y="2644086"/>
           <a:ext cx="6822440" cy="4270342"/>
         </p:xfrm>
         <a:graphic>
@@ -23999,7 +23999,7 @@
           <a:p>
             <a:r>
               <a:rPr lang="en-US" altLang="zh-CN" dirty="0"/>
-              <a:t>The amount of each customer spend is positively influenced by gift card payment</a:t>
+              <a:t>The amount of each customer spending is positively influenced by gift card payment</a:t>
             </a:r>
             <a:endParaRPr lang="zh-CN" altLang="en-US" dirty="0"/>
           </a:p>
@@ -24305,7 +24305,7 @@
           <a:p>
             <a:r>
               <a:rPr lang="en-US" altLang="zh-CN" b="1" dirty="0"/>
-              <a:t>“north star” metric: average spend of each customer</a:t>
+              <a:t>“north star” metric:  average spend of each customer</a:t>
             </a:r>
           </a:p>
           <a:p>
@@ -24385,7 +24385,7 @@
           <a:p>
             <a:r>
               <a:rPr lang="en-US" altLang="zh-CN" dirty="0"/>
-              <a:t>Result of One tail test</a:t>
+              <a:t>Result of One tail t test</a:t>
             </a:r>
             <a:endParaRPr lang="zh-CN" altLang="en-US" dirty="0"/>
           </a:p>
@@ -24416,7 +24416,15 @@
           <a:p>
             <a:r>
               <a:rPr lang="en-US" altLang="zh-CN" dirty="0"/>
-              <a:t>1. average spend of treatment group is significantly higher than that of control group (P value = 0.002)</a:t>
+              <a:t>1. </a:t>
+            </a:r>
+            <a:r>
+              <a:rPr lang="en-US" altLang="zh-CN"/>
+              <a:t>average spend </a:t>
+            </a:r>
+            <a:r>
+              <a:rPr lang="en-US" altLang="zh-CN" dirty="0"/>
+              <a:t>of treatment group is significantly higher than that of control group (P value = 0.002)</a:t>
             </a:r>
           </a:p>
           <a:p>
@@ -24625,7 +24633,7 @@
           <a:p>
             <a:r>
               <a:rPr lang="en-US" altLang="zh-CN" dirty="0"/>
-              <a:t>Possible reason</a:t>
+              <a:t>Possible reasons</a:t>
             </a:r>
           </a:p>
           <a:p>
@@ -25078,7 +25086,7 @@
           <a:p>
             <a:r>
               <a:rPr lang="en-US" altLang="zh-CN" dirty="0"/>
-              <a:t>Revenue Increase store revenue by 5%</a:t>
+              <a:t>Increase App store revenue by 5%</a:t>
             </a:r>
           </a:p>
           <a:p>
